--- a/Dossier de la empresa.pptx
+++ b/Dossier de la empresa.pptx
@@ -17,14 +17,14 @@
   <p:notesSz cx="6858000" cy="9144000"/>
   <p:embeddedFontLst>
     <p:embeddedFont>
-      <p:font typeface="Roboto" panose="020B0604020202020204" charset="0"/>
+      <p:font typeface="Merriweather" panose="020B0604020202020204" charset="0"/>
       <p:regular r:id="rId7"/>
       <p:bold r:id="rId8"/>
       <p:italic r:id="rId9"/>
       <p:boldItalic r:id="rId10"/>
     </p:embeddedFont>
     <p:embeddedFont>
-      <p:font typeface="Merriweather" panose="020B0604020202020204" charset="0"/>
+      <p:font typeface="Roboto" panose="020B0604020202020204" charset="0"/>
       <p:regular r:id="rId11"/>
       <p:bold r:id="rId12"/>
       <p:italic r:id="rId13"/>
@@ -5166,15 +5166,7 @@
                   <a:srgbClr val="0A2241"/>
                 </a:solidFill>
               </a:rPr>
-              <a:t>DOSSIER DE EMPRESA </a:t>
-            </a:r>
-            <a:r>
-              <a:rPr lang="es" dirty="0" smtClean="0">
-                <a:solidFill>
-                  <a:srgbClr val="0A2241"/>
-                </a:solidFill>
-              </a:rPr>
-              <a:t>2018</a:t>
+              <a:t>DOSSIER DE EMPRESA 2018</a:t>
             </a:r>
           </a:p>
           <a:p>
@@ -5197,7 +5189,7 @@
               </a:spcBef>
               <a:buNone/>
             </a:pPr>
-            <a:endParaRPr lang="es" dirty="0" smtClean="0">
+            <a:endParaRPr lang="es" dirty="0">
               <a:solidFill>
                 <a:srgbClr val="0A2241"/>
               </a:solidFill>
@@ -5361,100 +5353,29 @@
               <a:buNone/>
             </a:pPr>
             <a:r>
-              <a:rPr lang="es" dirty="0" smtClean="0"/>
+              <a:rPr lang="es" dirty="0"/>
               <a:t>Somos una empresa dedicada a la gestión y el desarrollo de software web. Con 5 años de experiencia y mas de 100 proyectos de software web realizados con </a:t>
             </a:r>
             <a:r>
-              <a:rPr lang="es-ES" dirty="0" smtClean="0"/>
+              <a:rPr lang="es-ES" dirty="0"/>
               <a:t>é</a:t>
             </a:r>
             <a:r>
-              <a:rPr lang="es" dirty="0" smtClean="0"/>
-              <a:t>xito, </a:t>
+              <a:rPr lang="es" dirty="0"/>
+              <a:t>xito, desarrollamos software de calidad y que se adapte a las necesidades del consumidor. </a:t>
             </a:r>
+          </a:p>
+          <a:p>
+            <a:pPr marL="0" lvl="0" indent="0">
+              <a:spcBef>
+                <a:spcPts val="0"/>
+              </a:spcBef>
+              <a:buNone/>
+            </a:pPr>
             <a:r>
               <a:rPr lang="es" dirty="0"/>
-              <a:t>d</a:t>
-            </a:r>
-            <a:r>
-              <a:rPr lang="es" dirty="0" smtClean="0"/>
-              <a:t>esarrollamos software de calidad y que se adapte a las necesidades del consumidor. </a:t>
-            </a:r>
-          </a:p>
-          <a:p>
-            <a:pPr marL="0" lvl="0" indent="0">
-              <a:spcBef>
-                <a:spcPts val="0"/>
-              </a:spcBef>
-              <a:buNone/>
-            </a:pPr>
-            <a:r>
-              <a:rPr lang="es" dirty="0" smtClean="0"/>
               <a:t>Utilizamos tecnologias como Java, SQL, PHP, Javascript,  etc. Hemos trabajado para empresas como Repsol, Endesa, Zara y otras empresas de renombre mundial. </a:t>
             </a:r>
-            <a:endParaRPr lang="es" dirty="0"/>
-          </a:p>
-        </p:txBody>
-      </p:sp>
-      <p:pic>
-        <p:nvPicPr>
-          <p:cNvPr id="89" name="Shape 89"/>
-          <p:cNvPicPr preferRelativeResize="0"/>
-          <p:nvPr/>
-        </p:nvPicPr>
-        <p:blipFill rotWithShape="1">
-          <a:blip r:embed="rId3">
-            <a:alphaModFix/>
-          </a:blip>
-          <a:srcRect r="28166"/>
-          <a:stretch/>
-        </p:blipFill>
-        <p:spPr>
-          <a:xfrm>
-            <a:off x="4981900" y="1280925"/>
-            <a:ext cx="4162099" cy="3862575"/>
-          </a:xfrm>
-          <a:prstGeom prst="rect">
-            <a:avLst/>
-          </a:prstGeom>
-          <a:noFill/>
-          <a:ln>
-            <a:noFill/>
-          </a:ln>
-        </p:spPr>
-      </p:pic>
-      <p:sp>
-        <p:nvSpPr>
-          <p:cNvPr id="90" name="Shape 90"/>
-          <p:cNvSpPr txBox="1">
-            <a:spLocks noGrp="1"/>
-          </p:cNvSpPr>
-          <p:nvPr>
-            <p:ph type="body" idx="2"/>
-          </p:nvPr>
-        </p:nvSpPr>
-        <p:spPr>
-          <a:xfrm>
-            <a:off x="5136975" y="1505700"/>
-            <a:ext cx="3695400" cy="3076200"/>
-          </a:xfrm>
-          <a:prstGeom prst="rect">
-            <a:avLst/>
-          </a:prstGeom>
-        </p:spPr>
-        <p:txBody>
-          <a:bodyPr wrap="square" lIns="91425" tIns="91425" rIns="91425" bIns="91425" anchor="t" anchorCtr="0">
-            <a:noAutofit/>
-          </a:bodyPr>
-          <a:lstStyle/>
-          <a:p>
-            <a:pPr marL="0" lvl="0" indent="0" algn="ctr" rtl="0">
-              <a:spcBef>
-                <a:spcPts val="0"/>
-              </a:spcBef>
-              <a:buNone/>
-            </a:pPr>
-            <a:endParaRPr dirty="0"/>
           </a:p>
         </p:txBody>
       </p:sp>
@@ -5467,7 +5388,7 @@
           <p:nvPr/>
         </p:nvPicPr>
         <p:blipFill>
-          <a:blip r:embed="rId4">
+          <a:blip r:embed="rId3">
             <a:extLst>
               <a:ext uri="{28A0092B-C50C-407E-A947-70E740481C1C}">
                 <a14:useLocalDpi xmlns:a14="http://schemas.microsoft.com/office/drawing/2010/main" val="0"/>
@@ -5486,6 +5407,53 @@
           <a:prstGeom prst="rect">
             <a:avLst/>
           </a:prstGeom>
+        </p:spPr>
+      </p:pic>
+      <p:pic>
+        <p:nvPicPr>
+          <p:cNvPr id="1028" name="Picture 4" descr="https://i.stack.imgur.com/e4lOj.jpg">
+            <a:extLst>
+              <a:ext uri="{FF2B5EF4-FFF2-40B4-BE49-F238E27FC236}">
+                <a16:creationId xmlns:a16="http://schemas.microsoft.com/office/drawing/2014/main" id="{8B81FE5F-F96C-4349-ACF2-3EA262CBA399}"/>
+              </a:ext>
+            </a:extLst>
+          </p:cNvPr>
+          <p:cNvPicPr>
+            <a:picLocks noChangeAspect="1" noChangeArrowheads="1"/>
+          </p:cNvPicPr>
+          <p:nvPr/>
+        </p:nvPicPr>
+        <p:blipFill>
+          <a:blip r:embed="rId4">
+            <a:extLst>
+              <a:ext uri="{28A0092B-C50C-407E-A947-70E740481C1C}">
+                <a14:useLocalDpi xmlns:a14="http://schemas.microsoft.com/office/drawing/2010/main" val="0"/>
+              </a:ext>
+            </a:extLst>
+          </a:blip>
+          <a:srcRect/>
+          <a:stretch>
+            <a:fillRect/>
+          </a:stretch>
+        </p:blipFill>
+        <p:spPr bwMode="auto">
+          <a:xfrm>
+            <a:off x="4219656" y="1481327"/>
+            <a:ext cx="4924344" cy="3215120"/>
+          </a:xfrm>
+          <a:prstGeom prst="rect">
+            <a:avLst/>
+          </a:prstGeom>
+          <a:noFill/>
+          <a:extLst>
+            <a:ext uri="{909E8E84-426E-40DD-AFC4-6F175D3DCCD1}">
+              <a14:hiddenFill xmlns:a14="http://schemas.microsoft.com/office/drawing/2010/main">
+                <a:solidFill>
+                  <a:srgbClr val="FFFFFF"/>
+                </a:solidFill>
+              </a14:hiddenFill>
+            </a:ext>
+          </a:extLst>
         </p:spPr>
       </p:pic>
     </p:spTree>
@@ -5615,12 +5583,8 @@
               <a:buNone/>
             </a:pPr>
             <a:r>
-              <a:rPr lang="es-ES" dirty="0" smtClean="0"/>
-              <a:t>Desarrollar software de calidad, intentando aportar el mayor valor a nuestro cliente e intentando satisfacer sus necesidade</a:t>
-            </a:r>
-            <a:r>
-              <a:rPr lang="es-ES" dirty="0" smtClean="0"/>
-              <a:t>s de la mejor manera posible.</a:t>
+              <a:rPr lang="es-ES" dirty="0"/>
+              <a:t>Desarrollar software de calidad, intentando aportar el mayor valor a nuestro cliente e intentando satisfacer sus necesidades de la mejor manera posible.</a:t>
             </a:r>
             <a:endParaRPr dirty="0"/>
           </a:p>
@@ -5645,11 +5609,7 @@
             </a:r>
             <a:r>
               <a:rPr lang="es" dirty="0"/>
-              <a:t> es</a:t>
-            </a:r>
-            <a:r>
-              <a:rPr lang="es" dirty="0" smtClean="0"/>
-              <a:t>...</a:t>
+              <a:t> es...</a:t>
             </a:r>
           </a:p>
           <a:p>
@@ -5660,10 +5620,9 @@
               <a:buNone/>
             </a:pPr>
             <a:r>
-              <a:rPr lang="es" dirty="0" smtClean="0"/>
+              <a:rPr lang="es" dirty="0"/>
               <a:t>Crear una relación fluida entre cliente y empresa, dandole protagonismo al cliente en el desarrollo del software para tener un feedback constante de lo que se necesita.</a:t>
             </a:r>
-            <a:endParaRPr lang="es" dirty="0"/>
           </a:p>
         </p:txBody>
       </p:sp>
@@ -5727,10 +5686,9 @@
               <a:buChar char="●"/>
             </a:pPr>
             <a:r>
-              <a:rPr lang="es" dirty="0" smtClean="0"/>
+              <a:rPr lang="es" dirty="0"/>
               <a:t>Calidad</a:t>
             </a:r>
-            <a:endParaRPr lang="es" dirty="0"/>
           </a:p>
           <a:p>
             <a:pPr marL="457200" lvl="0" indent="-311150" rtl="0">
@@ -5744,10 +5702,9 @@
               <a:buChar char="●"/>
             </a:pPr>
             <a:r>
-              <a:rPr lang="es" dirty="0" smtClean="0"/>
+              <a:rPr lang="es" dirty="0"/>
               <a:t>Fiabilidad</a:t>
             </a:r>
-            <a:endParaRPr lang="es" dirty="0"/>
           </a:p>
           <a:p>
             <a:pPr marL="457200" lvl="0" indent="-311150" rtl="0">
@@ -5761,10 +5718,9 @@
               <a:buChar char="●"/>
             </a:pPr>
             <a:r>
-              <a:rPr lang="es" dirty="0" smtClean="0"/>
+              <a:rPr lang="es" dirty="0"/>
               <a:t>Seguridad</a:t>
             </a:r>
-            <a:endParaRPr lang="es" dirty="0"/>
           </a:p>
           <a:p>
             <a:pPr marL="457200" lvl="0" indent="-311150" rtl="0">
@@ -5778,10 +5734,9 @@
               <a:buChar char="●"/>
             </a:pPr>
             <a:r>
-              <a:rPr lang="es" dirty="0" smtClean="0"/>
+              <a:rPr lang="es" dirty="0"/>
               <a:t>Fluidez</a:t>
             </a:r>
-            <a:endParaRPr lang="es" dirty="0"/>
           </a:p>
           <a:p>
             <a:pPr marL="457200" lvl="0" indent="-311150" rtl="0">
@@ -5795,10 +5750,9 @@
               <a:buChar char="●"/>
             </a:pPr>
             <a:r>
-              <a:rPr lang="es" dirty="0" smtClean="0"/>
+              <a:rPr lang="es" dirty="0"/>
               <a:t>Compromiso</a:t>
             </a:r>
-            <a:endParaRPr lang="es" dirty="0"/>
           </a:p>
           <a:p>
             <a:pPr marL="457200" lvl="0" indent="-311150" rtl="0">
@@ -5812,10 +5766,9 @@
               <a:buChar char="●"/>
             </a:pPr>
             <a:r>
-              <a:rPr lang="es" dirty="0" smtClean="0"/>
+              <a:rPr lang="es" dirty="0"/>
               <a:t>Comunicación</a:t>
             </a:r>
-            <a:endParaRPr lang="es" dirty="0"/>
           </a:p>
           <a:p>
             <a:pPr marL="457200" lvl="0" indent="-311150" rtl="0">
@@ -5829,10 +5782,9 @@
               <a:buChar char="●"/>
             </a:pPr>
             <a:r>
-              <a:rPr lang="es" dirty="0" smtClean="0"/>
+              <a:rPr lang="es" dirty="0"/>
               <a:t>Comunidad</a:t>
             </a:r>
-            <a:endParaRPr lang="es" dirty="0"/>
           </a:p>
           <a:p>
             <a:pPr marL="457200" lvl="0" indent="-311150" rtl="0">
@@ -5846,7 +5798,7 @@
               <a:buChar char="●"/>
             </a:pPr>
             <a:r>
-              <a:rPr lang="es" dirty="0" smtClean="0"/>
+              <a:rPr lang="es" dirty="0"/>
               <a:t>Respeto</a:t>
             </a:r>
           </a:p>
@@ -5862,7 +5814,7 @@
               <a:buChar char="●"/>
             </a:pPr>
             <a:r>
-              <a:rPr lang="es" dirty="0" smtClean="0"/>
+              <a:rPr lang="es" dirty="0"/>
               <a:t>Adaptabilidad</a:t>
             </a:r>
           </a:p>
@@ -5878,7 +5830,7 @@
               <a:buChar char="●"/>
             </a:pPr>
             <a:r>
-              <a:rPr lang="es" dirty="0" smtClean="0"/>
+              <a:rPr lang="es" dirty="0"/>
               <a:t>Experiencia</a:t>
             </a:r>
           </a:p>
@@ -5894,7 +5846,7 @@
               <a:buChar char="●"/>
             </a:pPr>
             <a:r>
-              <a:rPr lang="es" dirty="0" smtClean="0"/>
+              <a:rPr lang="es" dirty="0"/>
               <a:t>Transparencia</a:t>
             </a:r>
           </a:p>
@@ -5909,7 +5861,7 @@
               <a:buSzPts val="1300"/>
               <a:buNone/>
             </a:pPr>
-            <a:endParaRPr lang="es" dirty="0" smtClean="0"/>
+            <a:endParaRPr lang="es" dirty="0"/>
           </a:p>
           <a:p>
             <a:pPr marL="146050" lvl="0" rtl="0">
@@ -6150,18 +6102,13 @@
               <a:buNone/>
             </a:pPr>
             <a:r>
-              <a:rPr lang="es" dirty="0" smtClean="0">
+              <a:rPr lang="es" dirty="0">
                 <a:solidFill>
                   <a:srgbClr val="F3AA46"/>
                 </a:solidFill>
               </a:rPr>
               <a:t>BlueServer</a:t>
             </a:r>
-            <a:endParaRPr lang="es" dirty="0">
-              <a:solidFill>
-                <a:srgbClr val="F3AA46"/>
-              </a:solidFill>
-            </a:endParaRPr>
           </a:p>
           <a:p>
             <a:pPr marL="0" lvl="0" indent="0" algn="r">
@@ -6185,7 +6132,7 @@
               <a:t>e-mail: </a:t>
             </a:r>
             <a:r>
-              <a:rPr lang="es" u="sng" dirty="0" smtClean="0">
+              <a:rPr lang="es" u="sng" dirty="0">
                 <a:solidFill>
                   <a:srgbClr val="F3AA46"/>
                 </a:solidFill>
@@ -6193,12 +6140,6 @@
               </a:rPr>
               <a:t>contacto@BlueServer.com</a:t>
             </a:r>
-            <a:endParaRPr lang="es" u="sng" dirty="0">
-              <a:solidFill>
-                <a:srgbClr val="F3AA46"/>
-              </a:solidFill>
-              <a:hlinkClick r:id="rId3"/>
-            </a:endParaRPr>
           </a:p>
           <a:p>
             <a:pPr marL="0" lvl="0" indent="0" algn="r">
@@ -6219,21 +6160,8 @@
                   <a:srgbClr val="F3AA46"/>
                 </a:solidFill>
               </a:rPr>
-              <a:t>Telef. </a:t>
+              <a:t>Telef. 954 523 215 </a:t>
             </a:r>
-            <a:r>
-              <a:rPr lang="es" dirty="0" smtClean="0">
-                <a:solidFill>
-                  <a:srgbClr val="F3AA46"/>
-                </a:solidFill>
-              </a:rPr>
-              <a:t>954 523 215 </a:t>
-            </a:r>
-            <a:endParaRPr lang="es" dirty="0">
-              <a:solidFill>
-                <a:srgbClr val="F3AA46"/>
-              </a:solidFill>
-            </a:endParaRPr>
           </a:p>
           <a:p>
             <a:pPr marL="0" lvl="0" indent="0" algn="r">
@@ -6257,7 +6185,7 @@
               <a:t>Web: </a:t>
             </a:r>
             <a:r>
-              <a:rPr lang="es" u="sng" dirty="0" smtClean="0">
+              <a:rPr lang="es" u="sng" dirty="0">
                 <a:solidFill>
                   <a:srgbClr val="F3AA46"/>
                 </a:solidFill>
@@ -6266,18 +6194,13 @@
               <a:t>www.BlueServer.com</a:t>
             </a:r>
             <a:r>
-              <a:rPr lang="es" dirty="0" smtClean="0">
+              <a:rPr lang="es" dirty="0">
                 <a:solidFill>
                   <a:srgbClr val="F3AA46"/>
                 </a:solidFill>
               </a:rPr>
               <a:t> </a:t>
             </a:r>
-            <a:endParaRPr lang="es" dirty="0">
-              <a:solidFill>
-                <a:srgbClr val="F3AA46"/>
-              </a:solidFill>
-            </a:endParaRPr>
           </a:p>
         </p:txBody>
       </p:sp>
